--- a/9 - Graph/Graphs.pptx
+++ b/9 - Graph/Graphs.pptx
@@ -2,35 +2,35 @@
 <file path=ppt/presentation.xml><?xml version="1.0" encoding="utf-8"?>
 <p:presentation xmlns:a="http://schemas.openxmlformats.org/drawingml/2006/main" xmlns:r="http://schemas.openxmlformats.org/officeDocument/2006/relationships" xmlns:p="http://schemas.openxmlformats.org/presentationml/2006/main" saveSubsetFonts="1">
   <p:sldMasterIdLst>
-    <p:sldMasterId id="2147483648" r:id="rId1"/>
+    <p:sldMasterId id="2147483648" r:id="rId4"/>
   </p:sldMasterIdLst>
   <p:notesMasterIdLst>
-    <p:notesMasterId r:id="rId25"/>
+    <p:notesMasterId r:id="rId28"/>
   </p:notesMasterIdLst>
   <p:sldIdLst>
-    <p:sldId id="257" r:id="rId2"/>
-    <p:sldId id="271" r:id="rId3"/>
-    <p:sldId id="280" r:id="rId4"/>
-    <p:sldId id="357" r:id="rId5"/>
-    <p:sldId id="334" r:id="rId6"/>
-    <p:sldId id="360" r:id="rId7"/>
-    <p:sldId id="337" r:id="rId8"/>
-    <p:sldId id="358" r:id="rId9"/>
-    <p:sldId id="361" r:id="rId10"/>
-    <p:sldId id="359" r:id="rId11"/>
-    <p:sldId id="363" r:id="rId12"/>
-    <p:sldId id="349" r:id="rId13"/>
-    <p:sldId id="350" r:id="rId14"/>
-    <p:sldId id="351" r:id="rId15"/>
-    <p:sldId id="353" r:id="rId16"/>
-    <p:sldId id="352" r:id="rId17"/>
-    <p:sldId id="282" r:id="rId18"/>
-    <p:sldId id="343" r:id="rId19"/>
-    <p:sldId id="355" r:id="rId20"/>
-    <p:sldId id="354" r:id="rId21"/>
-    <p:sldId id="356" r:id="rId22"/>
-    <p:sldId id="365" r:id="rId23"/>
-    <p:sldId id="364" r:id="rId24"/>
+    <p:sldId id="257" r:id="rId5"/>
+    <p:sldId id="271" r:id="rId6"/>
+    <p:sldId id="280" r:id="rId7"/>
+    <p:sldId id="357" r:id="rId8"/>
+    <p:sldId id="334" r:id="rId9"/>
+    <p:sldId id="360" r:id="rId10"/>
+    <p:sldId id="337" r:id="rId11"/>
+    <p:sldId id="358" r:id="rId12"/>
+    <p:sldId id="361" r:id="rId13"/>
+    <p:sldId id="359" r:id="rId14"/>
+    <p:sldId id="363" r:id="rId15"/>
+    <p:sldId id="349" r:id="rId16"/>
+    <p:sldId id="350" r:id="rId17"/>
+    <p:sldId id="351" r:id="rId18"/>
+    <p:sldId id="353" r:id="rId19"/>
+    <p:sldId id="352" r:id="rId20"/>
+    <p:sldId id="282" r:id="rId21"/>
+    <p:sldId id="343" r:id="rId22"/>
+    <p:sldId id="355" r:id="rId23"/>
+    <p:sldId id="354" r:id="rId24"/>
+    <p:sldId id="356" r:id="rId25"/>
+    <p:sldId id="365" r:id="rId26"/>
+    <p:sldId id="364" r:id="rId27"/>
   </p:sldIdLst>
   <p:sldSz cx="12192000" cy="6858000"/>
   <p:notesSz cx="6858000" cy="9144000"/>
@@ -227,7 +227,7 @@
           <a:p>
             <a:fld id="{F666E1FD-E7A0-497B-BBC0-740BAAC97C64}" type="datetimeFigureOut">
               <a:rPr lang="en-PH" smtClean="0"/>
-              <a:t>19/10/2022</a:t>
+              <a:t>16/10/2023</a:t>
             </a:fld>
             <a:endParaRPr lang="en-PH"/>
           </a:p>
@@ -2576,7 +2576,7 @@
           <a:p>
             <a:fld id="{0CCF0B81-6BD8-4C65-9459-815598C5F1F4}" type="datetimeFigureOut">
               <a:rPr lang="en-PH" smtClean="0"/>
-              <a:t>19/10/2022</a:t>
+              <a:t>16/10/2023</a:t>
             </a:fld>
             <a:endParaRPr lang="en-PH"/>
           </a:p>
@@ -2776,7 +2776,7 @@
           <a:p>
             <a:fld id="{0CCF0B81-6BD8-4C65-9459-815598C5F1F4}" type="datetimeFigureOut">
               <a:rPr lang="en-PH" smtClean="0"/>
-              <a:t>19/10/2022</a:t>
+              <a:t>16/10/2023</a:t>
             </a:fld>
             <a:endParaRPr lang="en-PH"/>
           </a:p>
@@ -2986,7 +2986,7 @@
           <a:p>
             <a:fld id="{0CCF0B81-6BD8-4C65-9459-815598C5F1F4}" type="datetimeFigureOut">
               <a:rPr lang="en-PH" smtClean="0"/>
-              <a:t>19/10/2022</a:t>
+              <a:t>16/10/2023</a:t>
             </a:fld>
             <a:endParaRPr lang="en-PH"/>
           </a:p>
@@ -3186,7 +3186,7 @@
           <a:p>
             <a:fld id="{0CCF0B81-6BD8-4C65-9459-815598C5F1F4}" type="datetimeFigureOut">
               <a:rPr lang="en-PH" smtClean="0"/>
-              <a:t>19/10/2022</a:t>
+              <a:t>16/10/2023</a:t>
             </a:fld>
             <a:endParaRPr lang="en-PH"/>
           </a:p>
@@ -3462,7 +3462,7 @@
           <a:p>
             <a:fld id="{0CCF0B81-6BD8-4C65-9459-815598C5F1F4}" type="datetimeFigureOut">
               <a:rPr lang="en-PH" smtClean="0"/>
-              <a:t>19/10/2022</a:t>
+              <a:t>16/10/2023</a:t>
             </a:fld>
             <a:endParaRPr lang="en-PH"/>
           </a:p>
@@ -3730,7 +3730,7 @@
           <a:p>
             <a:fld id="{0CCF0B81-6BD8-4C65-9459-815598C5F1F4}" type="datetimeFigureOut">
               <a:rPr lang="en-PH" smtClean="0"/>
-              <a:t>19/10/2022</a:t>
+              <a:t>16/10/2023</a:t>
             </a:fld>
             <a:endParaRPr lang="en-PH"/>
           </a:p>
@@ -4145,7 +4145,7 @@
           <a:p>
             <a:fld id="{0CCF0B81-6BD8-4C65-9459-815598C5F1F4}" type="datetimeFigureOut">
               <a:rPr lang="en-PH" smtClean="0"/>
-              <a:t>19/10/2022</a:t>
+              <a:t>16/10/2023</a:t>
             </a:fld>
             <a:endParaRPr lang="en-PH"/>
           </a:p>
@@ -4287,7 +4287,7 @@
           <a:p>
             <a:fld id="{0CCF0B81-6BD8-4C65-9459-815598C5F1F4}" type="datetimeFigureOut">
               <a:rPr lang="en-PH" smtClean="0"/>
-              <a:t>19/10/2022</a:t>
+              <a:t>16/10/2023</a:t>
             </a:fld>
             <a:endParaRPr lang="en-PH"/>
           </a:p>
@@ -4400,7 +4400,7 @@
           <a:p>
             <a:fld id="{0CCF0B81-6BD8-4C65-9459-815598C5F1F4}" type="datetimeFigureOut">
               <a:rPr lang="en-PH" smtClean="0"/>
-              <a:t>19/10/2022</a:t>
+              <a:t>16/10/2023</a:t>
             </a:fld>
             <a:endParaRPr lang="en-PH"/>
           </a:p>
@@ -4713,7 +4713,7 @@
           <a:p>
             <a:fld id="{0CCF0B81-6BD8-4C65-9459-815598C5F1F4}" type="datetimeFigureOut">
               <a:rPr lang="en-PH" smtClean="0"/>
-              <a:t>19/10/2022</a:t>
+              <a:t>16/10/2023</a:t>
             </a:fld>
             <a:endParaRPr lang="en-PH"/>
           </a:p>
@@ -5002,7 +5002,7 @@
           <a:p>
             <a:fld id="{0CCF0B81-6BD8-4C65-9459-815598C5F1F4}" type="datetimeFigureOut">
               <a:rPr lang="en-PH" smtClean="0"/>
-              <a:t>19/10/2022</a:t>
+              <a:t>16/10/2023</a:t>
             </a:fld>
             <a:endParaRPr lang="en-PH"/>
           </a:p>
@@ -5245,7 +5245,7 @@
           <a:p>
             <a:fld id="{0CCF0B81-6BD8-4C65-9459-815598C5F1F4}" type="datetimeFigureOut">
               <a:rPr lang="en-PH" smtClean="0"/>
-              <a:t>19/10/2022</a:t>
+              <a:t>16/10/2023</a:t>
             </a:fld>
             <a:endParaRPr lang="en-PH"/>
           </a:p>
@@ -5725,7 +5725,9 @@
         </p:nvSpPr>
         <p:spPr/>
         <p:txBody>
-          <a:bodyPr/>
+          <a:bodyPr>
+            <a:normAutofit fontScale="92500" lnSpcReduction="20000"/>
+          </a:bodyPr>
           <a:lstStyle/>
           <a:p>
             <a:pPr algn="l"/>
@@ -5734,7 +5736,7 @@
           <a:p>
             <a:pPr algn="l"/>
             <a:r>
-              <a:rPr lang="en-PH" sz="2000" dirty="0"/>
+              <a:rPr lang="en-PH" sz="2000" b="1" dirty="0"/>
               <a:t>Presented by:</a:t>
             </a:r>
           </a:p>
@@ -5746,11 +5748,29 @@
             </a:r>
             <a:r>
               <a:rPr lang="en-PH" sz="2000" dirty="0"/>
-              <a:t> Ponio Jr</a:t>
+              <a:t> </a:t>
             </a:r>
             <a:r>
-              <a:rPr lang="en-PH" dirty="0"/>
-              <a:t>.</a:t>
+              <a:rPr lang="en-PH" sz="2000" dirty="0" err="1"/>
+              <a:t>Ponio</a:t>
+            </a:r>
+            <a:r>
+              <a:rPr lang="en-PH" sz="2000" dirty="0"/>
+              <a:t> Jr.</a:t>
+            </a:r>
+          </a:p>
+          <a:p>
+            <a:pPr algn="l"/>
+            <a:r>
+              <a:rPr lang="en-PH" sz="2000" dirty="0"/>
+              <a:t>Department of Computer Science</a:t>
+            </a:r>
+          </a:p>
+          <a:p>
+            <a:pPr algn="l"/>
+            <a:r>
+              <a:rPr lang="en-PH" sz="2000" dirty="0"/>
+              <a:t>College of Computing and Information Technologies</a:t>
             </a:r>
           </a:p>
         </p:txBody>
@@ -5795,7 +5815,7 @@
                   <a:schemeClr val="tx1"/>
                 </a:solidFill>
               </a:rPr>
-              <a:t>CCDATRCL-INF214</a:t>
+              <a:t>CCDATRCL</a:t>
             </a:r>
           </a:p>
         </p:txBody>
@@ -5920,7 +5940,7 @@
                   <a:schemeClr val="tx1"/>
                 </a:solidFill>
               </a:rPr>
-              <a:t>CCDATRCL-INF214</a:t>
+              <a:t>CCDATRCL</a:t>
             </a:r>
           </a:p>
         </p:txBody>
@@ -6151,7 +6171,7 @@
                   <a:schemeClr val="tx1"/>
                 </a:solidFill>
               </a:rPr>
-              <a:t>CCDATRCL-INF214</a:t>
+              <a:t>CCDATRCL</a:t>
             </a:r>
           </a:p>
         </p:txBody>
@@ -7321,7 +7341,7 @@
                   <a:schemeClr val="tx1"/>
                 </a:solidFill>
               </a:rPr>
-              <a:t>CCDATRCL-INF214</a:t>
+              <a:t>CCDATRCL</a:t>
             </a:r>
           </a:p>
         </p:txBody>
@@ -7502,7 +7522,7 @@
                   <a:schemeClr val="tx1"/>
                 </a:solidFill>
               </a:rPr>
-              <a:t>CCDATRCL-INF214</a:t>
+              <a:t>CCDATRCL</a:t>
             </a:r>
           </a:p>
         </p:txBody>
@@ -7707,7 +7727,7 @@
                   <a:schemeClr val="tx1"/>
                 </a:solidFill>
               </a:rPr>
-              <a:t>CCDATRCL-INF214</a:t>
+              <a:t>CCDATRCL</a:t>
             </a:r>
           </a:p>
         </p:txBody>
@@ -10429,7 +10449,7 @@
                   <a:schemeClr val="tx1"/>
                 </a:solidFill>
               </a:rPr>
-              <a:t>CCDATRCL-INF214</a:t>
+              <a:t>CCDATRCL</a:t>
             </a:r>
           </a:p>
         </p:txBody>
@@ -10621,7 +10641,7 @@
                   <a:schemeClr val="tx1"/>
                 </a:solidFill>
               </a:rPr>
-              <a:t>CCDATRCL-INF214</a:t>
+              <a:t>CCDATRCL</a:t>
             </a:r>
           </a:p>
         </p:txBody>
@@ -14440,7 +14460,7 @@
                   <a:schemeClr val="tx1"/>
                 </a:solidFill>
               </a:rPr>
-              <a:t>CCDATRCL-INF214</a:t>
+              <a:t>CCDATRCL</a:t>
             </a:r>
           </a:p>
         </p:txBody>
@@ -14699,7 +14719,7 @@
                   <a:schemeClr val="tx1"/>
                 </a:solidFill>
               </a:rPr>
-              <a:t>CCDATRCL-INF214</a:t>
+              <a:t>CCDATRCL</a:t>
             </a:r>
           </a:p>
         </p:txBody>
@@ -15647,7 +15667,7 @@
                   <a:schemeClr val="tx1"/>
                 </a:solidFill>
               </a:rPr>
-              <a:t>CCDATRCL-INF214</a:t>
+              <a:t>CCDATRCL</a:t>
             </a:r>
           </a:p>
         </p:txBody>
@@ -16599,7 +16619,7 @@
                   <a:schemeClr val="tx1"/>
                 </a:solidFill>
               </a:rPr>
-              <a:t>CCDATRCL-INF214</a:t>
+              <a:t>CCDATRCL</a:t>
             </a:r>
           </a:p>
         </p:txBody>
@@ -16849,7 +16869,7 @@
                   <a:schemeClr val="tx1"/>
                 </a:solidFill>
               </a:rPr>
-              <a:t>CCDATRCL-INF214</a:t>
+              <a:t>CCDATRCL</a:t>
             </a:r>
           </a:p>
         </p:txBody>
@@ -18677,7 +18697,7 @@
                   <a:schemeClr val="tx1"/>
                 </a:solidFill>
               </a:rPr>
-              <a:t>CCDATRCL-INF214</a:t>
+              <a:t>CCDATRCL</a:t>
             </a:r>
           </a:p>
         </p:txBody>
@@ -20253,7 +20273,7 @@
                   <a:schemeClr val="tx1"/>
                 </a:solidFill>
               </a:rPr>
-              <a:t>CCDATRCL-INF214</a:t>
+              <a:t>CCDATRCL</a:t>
             </a:r>
           </a:p>
         </p:txBody>
@@ -22313,7 +22333,7 @@
                   <a:schemeClr val="tx1"/>
                 </a:solidFill>
               </a:rPr>
-              <a:t>CCDATRCL-INF214</a:t>
+              <a:t>CCDATRCL</a:t>
             </a:r>
           </a:p>
         </p:txBody>
@@ -22658,7 +22678,7 @@
                   <a:schemeClr val="tx1"/>
                 </a:solidFill>
               </a:rPr>
-              <a:t>CCDATRCL-INF214</a:t>
+              <a:t>CCDATRCL</a:t>
             </a:r>
           </a:p>
         </p:txBody>
@@ -23990,7 +24010,7 @@
                   <a:schemeClr val="tx1"/>
                 </a:solidFill>
               </a:rPr>
-              <a:t>CCDATRCL-INF214</a:t>
+              <a:t>CCDATRCL</a:t>
             </a:r>
           </a:p>
         </p:txBody>
@@ -25410,7 +25430,7 @@
                   <a:schemeClr val="tx1"/>
                 </a:solidFill>
               </a:rPr>
-              <a:t>CCDATRCL-INF214</a:t>
+              <a:t>CCDATRCL</a:t>
             </a:r>
           </a:p>
         </p:txBody>
@@ -25612,7 +25632,7 @@
                   <a:schemeClr val="tx1"/>
                 </a:solidFill>
               </a:rPr>
-              <a:t>CCDATRCL-INF214</a:t>
+              <a:t>CCDATRCL</a:t>
             </a:r>
           </a:p>
         </p:txBody>
@@ -26530,7 +26550,7 @@
                   <a:schemeClr val="tx1"/>
                 </a:solidFill>
               </a:rPr>
-              <a:t>CCDATRCL-INF214</a:t>
+              <a:t>CCDATRCL</a:t>
             </a:r>
           </a:p>
         </p:txBody>
@@ -26795,7 +26815,7 @@
                   <a:schemeClr val="tx1"/>
                 </a:solidFill>
               </a:rPr>
-              <a:t>CCDATRCL-INF214</a:t>
+              <a:t>CCDATRCL</a:t>
             </a:r>
           </a:p>
         </p:txBody>
@@ -27037,7 +27057,7 @@
                   <a:schemeClr val="tx1"/>
                 </a:solidFill>
               </a:rPr>
-              <a:t>CCDATRCL-INF214</a:t>
+              <a:t>CCDATRCL</a:t>
             </a:r>
           </a:p>
         </p:txBody>
@@ -28398,6 +28418,15 @@
 </file>
 
 <file path=customXml/item1.xml><?xml version="1.0" encoding="utf-8"?>
+<?mso-contentType ?>
+<FormTemplates xmlns="http://schemas.microsoft.com/sharepoint/v3/contenttype/forms">
+  <Display>DocumentLibraryForm</Display>
+  <Edit>DocumentLibraryForm</Edit>
+  <New>DocumentLibraryForm</New>
+</FormTemplates>
+</file>
+
+<file path=customXml/item2.xml><?xml version="1.0" encoding="utf-8"?>
 <ct:contentTypeSchema xmlns:ct="http://schemas.microsoft.com/office/2006/metadata/contentType" xmlns:ma="http://schemas.microsoft.com/office/2006/metadata/properties/metaAttributes" ct:_="" ma:_="" ma:contentTypeName="Document" ma:contentTypeID="0x0101007188BDCA587B344BBA6CB1A93FAE6998" ma:contentTypeVersion="2" ma:contentTypeDescription="Create a new document." ma:contentTypeScope="" ma:versionID="7a8e4b6720badb2566a0cfeddfaf2856">
   <xsd:schema xmlns:xsd="http://www.w3.org/2001/XMLSchema" xmlns:xs="http://www.w3.org/2001/XMLSchema" xmlns:p="http://schemas.microsoft.com/office/2006/metadata/properties" xmlns:ns2="ba111d12-426d-4af0-bcb6-460e36974645" targetNamespace="http://schemas.microsoft.com/office/2006/metadata/properties" ma:root="true" ma:fieldsID="989b05398519136c88ba0a8d54e3c3da" ns2:_="">
     <xsd:import namespace="ba111d12-426d-4af0-bcb6-460e36974645"/>
@@ -28529,15 +28558,6 @@
 </ct:contentTypeSchema>
 </file>
 
-<file path=customXml/item2.xml><?xml version="1.0" encoding="utf-8"?>
-<?mso-contentType ?>
-<FormTemplates xmlns="http://schemas.microsoft.com/sharepoint/v3/contenttype/forms">
-  <Display>DocumentLibraryForm</Display>
-  <Edit>DocumentLibraryForm</Edit>
-  <New>DocumentLibraryForm</New>
-</FormTemplates>
-</file>
-
 <file path=customXml/item3.xml><?xml version="1.0" encoding="utf-8"?>
 <p:properties xmlns:p="http://schemas.microsoft.com/office/2006/metadata/properties" xmlns:xsi="http://www.w3.org/2001/XMLSchema-instance" xmlns:pc="http://schemas.microsoft.com/office/infopath/2007/PartnerControls">
   <documentManagement/>
@@ -28545,13 +28565,36 @@
 </file>
 
 <file path=customXml/itemProps1.xml><?xml version="1.0" encoding="utf-8"?>
-<ds:datastoreItem xmlns:ds="http://schemas.openxmlformats.org/officeDocument/2006/customXml" ds:itemID="{46BFEDF5-8B64-4FF5-9637-4791A1C152B8}"/>
+<ds:datastoreItem xmlns:ds="http://schemas.openxmlformats.org/officeDocument/2006/customXml" ds:itemID="{AE0C03B0-3DE5-4BD9-B3BB-6E4919CD06B4}">
+  <ds:schemaRefs>
+    <ds:schemaRef ds:uri="http://schemas.microsoft.com/sharepoint/v3/contenttype/forms"/>
+  </ds:schemaRefs>
+</ds:datastoreItem>
 </file>
 
 <file path=customXml/itemProps2.xml><?xml version="1.0" encoding="utf-8"?>
-<ds:datastoreItem xmlns:ds="http://schemas.openxmlformats.org/officeDocument/2006/customXml" ds:itemID="{AE0C03B0-3DE5-4BD9-B3BB-6E4919CD06B4}"/>
+<ds:datastoreItem xmlns:ds="http://schemas.openxmlformats.org/officeDocument/2006/customXml" ds:itemID="{46BFEDF5-8B64-4FF5-9637-4791A1C152B8}">
+  <ds:schemaRefs>
+    <ds:schemaRef ds:uri="http://schemas.microsoft.com/office/2006/metadata/contentType"/>
+    <ds:schemaRef ds:uri="http://schemas.microsoft.com/office/2006/metadata/properties/metaAttributes"/>
+    <ds:schemaRef ds:uri="http://www.w3.org/2001/XMLSchema"/>
+    <ds:schemaRef ds:uri="http://schemas.microsoft.com/office/2006/metadata/properties"/>
+    <ds:schemaRef ds:uri="ba111d12-426d-4af0-bcb6-460e36974645"/>
+    <ds:schemaRef ds:uri="http://schemas.microsoft.com/office/2006/documentManagement/types"/>
+    <ds:schemaRef ds:uri="http://schemas.microsoft.com/office/infopath/2007/PartnerControls"/>
+    <ds:schemaRef ds:uri="http://schemas.openxmlformats.org/package/2006/metadata/core-properties"/>
+    <ds:schemaRef ds:uri="http://purl.org/dc/elements/1.1/"/>
+    <ds:schemaRef ds:uri="http://purl.org/dc/terms/"/>
+    <ds:schemaRef ds:uri="http://schemas.microsoft.com/internal/obd"/>
+  </ds:schemaRefs>
+</ds:datastoreItem>
 </file>
 
 <file path=customXml/itemProps3.xml><?xml version="1.0" encoding="utf-8"?>
-<ds:datastoreItem xmlns:ds="http://schemas.openxmlformats.org/officeDocument/2006/customXml" ds:itemID="{A05518A6-09E4-4E11-AE7D-4C13722BEBC7}"/>
+<ds:datastoreItem xmlns:ds="http://schemas.openxmlformats.org/officeDocument/2006/customXml" ds:itemID="{A05518A6-09E4-4E11-AE7D-4C13722BEBC7}">
+  <ds:schemaRefs>
+    <ds:schemaRef ds:uri="http://schemas.microsoft.com/office/2006/metadata/properties"/>
+    <ds:schemaRef ds:uri="http://schemas.microsoft.com/office/infopath/2007/PartnerControls"/>
+  </ds:schemaRefs>
+</ds:datastoreItem>
 </file>